--- a/10_final_project/Projects.pptx
+++ b/10_final_project/Projects.pptx
@@ -14,8 +14,8 @@
     <p:sldId id="263" r:id="rId5"/>
     <p:sldId id="261" r:id="rId6"/>
     <p:sldId id="264" r:id="rId7"/>
-    <p:sldId id="258" r:id="rId8"/>
-    <p:sldId id="262" r:id="rId9"/>
+    <p:sldId id="262" r:id="rId8"/>
+    <p:sldId id="258" r:id="rId9"/>
     <p:sldId id="260" r:id="rId10"/>
   </p:sldIdLst>
   <p:sldSz cx="12192000" cy="6858000"/>
@@ -136,7 +136,7 @@
   <pc:docChgLst>
     <pc:chgData name="Philippe Baucour" userId="5102170ae7533958" providerId="LiveId" clId="{F0BC74BE-4BBC-4066-BCCE-69CD15FAFD90}"/>
     <pc:docChg chg="undo custSel addSld modSld sldOrd">
-      <pc:chgData name="Philippe Baucour" userId="5102170ae7533958" providerId="LiveId" clId="{F0BC74BE-4BBC-4066-BCCE-69CD15FAFD90}" dt="2024-05-30T16:29:14.472" v="3838" actId="20577"/>
+      <pc:chgData name="Philippe Baucour" userId="5102170ae7533958" providerId="LiveId" clId="{F0BC74BE-4BBC-4066-BCCE-69CD15FAFD90}" dt="2024-05-30T20:25:53.735" v="3842"/>
       <pc:docMkLst>
         <pc:docMk/>
       </pc:docMkLst>
@@ -759,7 +759,7 @@
         </pc:cxnChg>
       </pc:sldChg>
       <pc:sldChg chg="addSp modSp new mod ord">
-        <pc:chgData name="Philippe Baucour" userId="5102170ae7533958" providerId="LiveId" clId="{F0BC74BE-4BBC-4066-BCCE-69CD15FAFD90}" dt="2024-05-30T15:47:34.642" v="3430" actId="1076"/>
+        <pc:chgData name="Philippe Baucour" userId="5102170ae7533958" providerId="LiveId" clId="{F0BC74BE-4BBC-4066-BCCE-69CD15FAFD90}" dt="2024-05-30T20:25:53.735" v="3842"/>
         <pc:sldMkLst>
           <pc:docMk/>
           <pc:sldMk cId="650031998" sldId="262"/>
@@ -821,7 +821,7 @@
         </pc:graphicFrameChg>
       </pc:sldChg>
       <pc:sldChg chg="addSp modSp new mod modClrScheme chgLayout">
-        <pc:chgData name="Philippe Baucour" userId="5102170ae7533958" providerId="LiveId" clId="{F0BC74BE-4BBC-4066-BCCE-69CD15FAFD90}" dt="2024-05-30T16:29:14.472" v="3838" actId="20577"/>
+        <pc:chgData name="Philippe Baucour" userId="5102170ae7533958" providerId="LiveId" clId="{F0BC74BE-4BBC-4066-BCCE-69CD15FAFD90}" dt="2024-05-30T20:23:49.531" v="3840" actId="20577"/>
         <pc:sldMkLst>
           <pc:docMk/>
           <pc:sldMk cId="2679009207" sldId="264"/>
@@ -835,7 +835,7 @@
           </ac:spMkLst>
         </pc:spChg>
         <pc:spChg chg="add mod ord">
-          <ac:chgData name="Philippe Baucour" userId="5102170ae7533958" providerId="LiveId" clId="{F0BC74BE-4BBC-4066-BCCE-69CD15FAFD90}" dt="2024-05-30T16:29:14.472" v="3838" actId="20577"/>
+          <ac:chgData name="Philippe Baucour" userId="5102170ae7533958" providerId="LiveId" clId="{F0BC74BE-4BBC-4066-BCCE-69CD15FAFD90}" dt="2024-05-30T20:23:49.531" v="3840" actId="20577"/>
           <ac:spMkLst>
             <pc:docMk/>
             <pc:sldMk cId="2679009207" sldId="264"/>
@@ -1598,7 +1598,7 @@
           <a:p>
             <a:fld id="{1DE546AC-EF93-47C0-8722-8A4663BC0681}" type="slidenum">
               <a:rPr lang="fr-FR" smtClean="0"/>
-              <a:t>7</a:t>
+              <a:t>8</a:t>
             </a:fld>
             <a:endParaRPr lang="fr-FR"/>
           </a:p>
@@ -9241,6 +9241,408 @@
           <p:cNvPr id="2" name="Titre 1">
             <a:extLst>
               <a:ext uri="{FF2B5EF4-FFF2-40B4-BE49-F238E27FC236}">
+                <a16:creationId xmlns:a16="http://schemas.microsoft.com/office/drawing/2014/main" id="{CC6435C2-E281-9E60-9C01-E0A08C27236E}"/>
+              </a:ext>
+            </a:extLst>
+          </p:cNvPr>
+          <p:cNvSpPr>
+            <a:spLocks noGrp="1"/>
+          </p:cNvSpPr>
+          <p:nvPr>
+            <p:ph type="title"/>
+          </p:nvPr>
+        </p:nvSpPr>
+        <p:spPr/>
+        <p:txBody>
+          <a:bodyPr>
+            <a:normAutofit fontScale="90000"/>
+          </a:bodyPr>
+          <a:lstStyle/>
+          <a:p>
+            <a:r>
+              <a:rPr lang="fr-FR" dirty="0"/>
+              <a:t>Analyse de Sentiments sur les Issues de GitHub</a:t>
+            </a:r>
+          </a:p>
+        </p:txBody>
+      </p:sp>
+      <p:sp>
+        <p:nvSpPr>
+          <p:cNvPr id="3" name="Espace réservé du contenu 2">
+            <a:extLst>
+              <a:ext uri="{FF2B5EF4-FFF2-40B4-BE49-F238E27FC236}">
+                <a16:creationId xmlns:a16="http://schemas.microsoft.com/office/drawing/2014/main" id="{90A48F42-AE65-6241-DD32-1265A95B095B}"/>
+              </a:ext>
+            </a:extLst>
+          </p:cNvPr>
+          <p:cNvSpPr>
+            <a:spLocks noGrp="1"/>
+          </p:cNvSpPr>
+          <p:nvPr>
+            <p:ph idx="1"/>
+          </p:nvPr>
+        </p:nvSpPr>
+        <p:spPr/>
+        <p:txBody>
+          <a:bodyPr>
+            <a:normAutofit fontScale="62500" lnSpcReduction="20000"/>
+          </a:bodyPr>
+          <a:lstStyle/>
+          <a:p>
+            <a:endParaRPr lang="fr-FR" dirty="0"/>
+          </a:p>
+          <a:p>
+            <a:r>
+              <a:rPr lang="fr-FR" dirty="0"/>
+              <a:t>Description :</a:t>
+            </a:r>
+          </a:p>
+          <a:p>
+            <a:pPr lvl="1"/>
+            <a:r>
+              <a:rPr lang="fr-FR" dirty="0"/>
+              <a:t>Créer un outil qui analyse les sentiments des issues et des commentaires sur GitHub pour identifier automatiquement les problèmes critiques et les feedbacks positifs/négatifs.</a:t>
+            </a:r>
+          </a:p>
+          <a:p>
+            <a:endParaRPr lang="fr-FR" dirty="0"/>
+          </a:p>
+          <a:p>
+            <a:r>
+              <a:rPr lang="fr-FR" dirty="0"/>
+              <a:t>Technologies et Langages :</a:t>
+            </a:r>
+          </a:p>
+          <a:p>
+            <a:pPr lvl="1"/>
+            <a:r>
+              <a:rPr lang="fr-FR" dirty="0"/>
+              <a:t>Python : Pour le traitement des données et le développement des modèles de machine learning.</a:t>
+            </a:r>
+          </a:p>
+          <a:p>
+            <a:pPr lvl="1"/>
+            <a:r>
+              <a:rPr lang="fr-FR" dirty="0"/>
+              <a:t>GitHub API : Pour extraire les issues et les commentaires.</a:t>
+            </a:r>
+          </a:p>
+          <a:p>
+            <a:pPr lvl="1"/>
+            <a:r>
+              <a:rPr lang="fr-FR" dirty="0"/>
+              <a:t>NLTK/</a:t>
+            </a:r>
+            <a:r>
+              <a:rPr lang="fr-FR" dirty="0" err="1"/>
+              <a:t>Spacy</a:t>
+            </a:r>
+            <a:r>
+              <a:rPr lang="fr-FR" dirty="0"/>
+              <a:t>/</a:t>
+            </a:r>
+            <a:r>
+              <a:rPr lang="fr-FR" dirty="0" err="1"/>
+              <a:t>TextBlob</a:t>
+            </a:r>
+            <a:r>
+              <a:rPr lang="fr-FR" dirty="0"/>
+              <a:t> : Pour le traitement du langage naturel et l'analyse de sentiment.</a:t>
+            </a:r>
+          </a:p>
+          <a:p>
+            <a:pPr lvl="1"/>
+            <a:r>
+              <a:rPr lang="fr-FR" dirty="0"/>
+              <a:t>Flask/Django/</a:t>
+            </a:r>
+            <a:r>
+              <a:rPr lang="fr-FR" dirty="0" err="1"/>
+              <a:t>Streamlit</a:t>
+            </a:r>
+            <a:r>
+              <a:rPr lang="fr-FR" dirty="0"/>
+              <a:t> : Pour développer une application web permettant de visualiser les résultats d'analyse de sentiment.</a:t>
+            </a:r>
+          </a:p>
+          <a:p>
+            <a:endParaRPr lang="fr-FR" dirty="0"/>
+          </a:p>
+          <a:p>
+            <a:r>
+              <a:rPr lang="fr-FR" dirty="0"/>
+              <a:t>Étapes :</a:t>
+            </a:r>
+          </a:p>
+          <a:p>
+            <a:pPr lvl="1"/>
+            <a:r>
+              <a:rPr lang="fr-FR" dirty="0"/>
+              <a:t>Utiliser l'API GitHub pour collecter des données sur les issues et les commentaires de différents projets</a:t>
+            </a:r>
+          </a:p>
+          <a:p>
+            <a:pPr lvl="1"/>
+            <a:r>
+              <a:rPr lang="fr-FR" dirty="0"/>
+              <a:t>Prétraiter les données textuelles pour le NLP (nettoyage, </a:t>
+            </a:r>
+            <a:r>
+              <a:rPr lang="fr-FR" dirty="0" err="1"/>
+              <a:t>tokenization</a:t>
+            </a:r>
+            <a:r>
+              <a:rPr lang="fr-FR" dirty="0"/>
+              <a:t>, etc.).</a:t>
+            </a:r>
+          </a:p>
+          <a:p>
+            <a:pPr lvl="1"/>
+            <a:r>
+              <a:rPr lang="fr-FR" dirty="0"/>
+              <a:t>Construire un modèle d'analyse de sentiment en utilisant des bibliothèques de NLP.</a:t>
+            </a:r>
+          </a:p>
+          <a:p>
+            <a:pPr lvl="1"/>
+            <a:r>
+              <a:rPr lang="fr-FR" dirty="0"/>
+              <a:t>Créer une application web pour afficher les résultats de l'analyse de sentiment</a:t>
+            </a:r>
+          </a:p>
+          <a:p>
+            <a:endParaRPr lang="fr-FR" dirty="0"/>
+          </a:p>
+          <a:p>
+            <a:endParaRPr lang="fr-FR" dirty="0"/>
+          </a:p>
+        </p:txBody>
+      </p:sp>
+      <p:graphicFrame>
+        <p:nvGraphicFramePr>
+          <p:cNvPr id="4" name="Tableau 3">
+            <a:extLst>
+              <a:ext uri="{FF2B5EF4-FFF2-40B4-BE49-F238E27FC236}">
+                <a16:creationId xmlns:a16="http://schemas.microsoft.com/office/drawing/2014/main" id="{C3883C7F-A0D7-3F67-2375-F57C22D30208}"/>
+              </a:ext>
+            </a:extLst>
+          </p:cNvPr>
+          <p:cNvGraphicFramePr>
+            <a:graphicFrameLocks noGrp="1"/>
+          </p:cNvGraphicFramePr>
+          <p:nvPr>
+            <p:extLst>
+              <p:ext uri="{D42A27DB-BD31-4B8C-83A1-F6EECF244321}">
+                <p14:modId xmlns:p14="http://schemas.microsoft.com/office/powerpoint/2010/main" val="3764356625"/>
+              </p:ext>
+            </p:extLst>
+          </p:nvPr>
+        </p:nvGraphicFramePr>
+        <p:xfrm>
+          <a:off x="6701084" y="5715450"/>
+          <a:ext cx="5107093" cy="1006025"/>
+        </p:xfrm>
+        <a:graphic>
+          <a:graphicData uri="http://schemas.openxmlformats.org/drawingml/2006/table">
+            <a:tbl>
+              <a:tblPr firstRow="1" bandRow="1">
+                <a:tableStyleId>{5C22544A-7EE6-4342-B048-85BDC9FD1C3A}</a:tableStyleId>
+              </a:tblPr>
+              <a:tblGrid>
+                <a:gridCol w="1577524">
+                  <a:extLst>
+                    <a:ext uri="{9D8B030D-6E8A-4147-A177-3AD203B41FA5}">
+                      <a16:colId xmlns:a16="http://schemas.microsoft.com/office/drawing/2014/main" val="1867229628"/>
+                    </a:ext>
+                  </a:extLst>
+                </a:gridCol>
+                <a:gridCol w="3529569">
+                  <a:extLst>
+                    <a:ext uri="{9D8B030D-6E8A-4147-A177-3AD203B41FA5}">
+                      <a16:colId xmlns:a16="http://schemas.microsoft.com/office/drawing/2014/main" val="3914735680"/>
+                    </a:ext>
+                  </a:extLst>
+                </a:gridCol>
+              </a:tblGrid>
+              <a:tr h="270822">
+                <a:tc>
+                  <a:txBody>
+                    <a:bodyPr/>
+                    <a:lstStyle/>
+                    <a:p>
+                      <a:pPr algn="ctr"/>
+                      <a:r>
+                        <a:rPr lang="fr-FR" sz="1000" dirty="0">
+                          <a:latin typeface="Courier New" panose="02070309020205020404" pitchFamily="49" charset="0"/>
+                          <a:cs typeface="Courier New" panose="02070309020205020404" pitchFamily="49" charset="0"/>
+                        </a:rPr>
+                        <a:t>PROS</a:t>
+                      </a:r>
+                    </a:p>
+                  </a:txBody>
+                  <a:tcPr anchor="ctr"/>
+                </a:tc>
+                <a:tc>
+                  <a:txBody>
+                    <a:bodyPr/>
+                    <a:lstStyle/>
+                    <a:p>
+                      <a:pPr algn="ctr"/>
+                      <a:r>
+                        <a:rPr lang="fr-FR" sz="1000" dirty="0">
+                          <a:latin typeface="Courier New" panose="02070309020205020404" pitchFamily="49" charset="0"/>
+                          <a:cs typeface="Courier New" panose="02070309020205020404" pitchFamily="49" charset="0"/>
+                        </a:rPr>
+                        <a:t>CONS</a:t>
+                      </a:r>
+                    </a:p>
+                  </a:txBody>
+                  <a:tcPr anchor="ctr"/>
+                </a:tc>
+                <a:extLst>
+                  <a:ext uri="{0D108BD9-81ED-4DB2-BD59-A6C34878D82A}">
+                    <a16:rowId xmlns:a16="http://schemas.microsoft.com/office/drawing/2014/main" val="122667849"/>
+                  </a:ext>
+                </a:extLst>
+              </a:tr>
+              <a:tr h="247523">
+                <a:tc>
+                  <a:txBody>
+                    <a:bodyPr/>
+                    <a:lstStyle/>
+                    <a:p>
+                      <a:endParaRPr lang="fr-FR" sz="1000" dirty="0">
+                        <a:latin typeface="Courier New" panose="02070309020205020404" pitchFamily="49" charset="0"/>
+                        <a:cs typeface="Courier New" panose="02070309020205020404" pitchFamily="49" charset="0"/>
+                      </a:endParaRPr>
+                    </a:p>
+                  </a:txBody>
+                  <a:tcPr anchor="ctr"/>
+                </a:tc>
+                <a:tc>
+                  <a:txBody>
+                    <a:bodyPr/>
+                    <a:lstStyle/>
+                    <a:p>
+                      <a:endParaRPr lang="fr-FR" sz="1000" dirty="0">
+                        <a:latin typeface="Courier New" panose="02070309020205020404" pitchFamily="49" charset="0"/>
+                        <a:cs typeface="Courier New" panose="02070309020205020404" pitchFamily="49" charset="0"/>
+                      </a:endParaRPr>
+                    </a:p>
+                  </a:txBody>
+                  <a:tcPr anchor="ctr"/>
+                </a:tc>
+                <a:extLst>
+                  <a:ext uri="{0D108BD9-81ED-4DB2-BD59-A6C34878D82A}">
+                    <a16:rowId xmlns:a16="http://schemas.microsoft.com/office/drawing/2014/main" val="3200188309"/>
+                  </a:ext>
+                </a:extLst>
+              </a:tr>
+              <a:tr h="223463">
+                <a:tc>
+                  <a:txBody>
+                    <a:bodyPr/>
+                    <a:lstStyle/>
+                    <a:p>
+                      <a:endParaRPr lang="fr-FR" sz="1000" dirty="0">
+                        <a:latin typeface="Courier New" panose="02070309020205020404" pitchFamily="49" charset="0"/>
+                        <a:cs typeface="Courier New" panose="02070309020205020404" pitchFamily="49" charset="0"/>
+                      </a:endParaRPr>
+                    </a:p>
+                  </a:txBody>
+                  <a:tcPr anchor="ctr"/>
+                </a:tc>
+                <a:tc>
+                  <a:txBody>
+                    <a:bodyPr/>
+                    <a:lstStyle/>
+                    <a:p>
+                      <a:endParaRPr lang="fr-FR" sz="1000" dirty="0">
+                        <a:latin typeface="Courier New" panose="02070309020205020404" pitchFamily="49" charset="0"/>
+                        <a:cs typeface="Courier New" panose="02070309020205020404" pitchFamily="49" charset="0"/>
+                      </a:endParaRPr>
+                    </a:p>
+                  </a:txBody>
+                  <a:tcPr anchor="ctr"/>
+                </a:tc>
+                <a:extLst>
+                  <a:ext uri="{0D108BD9-81ED-4DB2-BD59-A6C34878D82A}">
+                    <a16:rowId xmlns:a16="http://schemas.microsoft.com/office/drawing/2014/main" val="3319787936"/>
+                  </a:ext>
+                </a:extLst>
+              </a:tr>
+              <a:tr h="200404">
+                <a:tc>
+                  <a:txBody>
+                    <a:bodyPr/>
+                    <a:lstStyle/>
+                    <a:p>
+                      <a:endParaRPr lang="fr-FR" sz="1000" dirty="0">
+                        <a:latin typeface="Courier New" panose="02070309020205020404" pitchFamily="49" charset="0"/>
+                        <a:cs typeface="Courier New" panose="02070309020205020404" pitchFamily="49" charset="0"/>
+                      </a:endParaRPr>
+                    </a:p>
+                  </a:txBody>
+                  <a:tcPr anchor="ctr"/>
+                </a:tc>
+                <a:tc>
+                  <a:txBody>
+                    <a:bodyPr/>
+                    <a:lstStyle/>
+                    <a:p>
+                      <a:endParaRPr lang="fr-FR" sz="1000" dirty="0">
+                        <a:latin typeface="Courier New" panose="02070309020205020404" pitchFamily="49" charset="0"/>
+                        <a:cs typeface="Courier New" panose="02070309020205020404" pitchFamily="49" charset="0"/>
+                      </a:endParaRPr>
+                    </a:p>
+                  </a:txBody>
+                  <a:tcPr anchor="ctr"/>
+                </a:tc>
+                <a:extLst>
+                  <a:ext uri="{0D108BD9-81ED-4DB2-BD59-A6C34878D82A}">
+                    <a16:rowId xmlns:a16="http://schemas.microsoft.com/office/drawing/2014/main" val="1588708313"/>
+                  </a:ext>
+                </a:extLst>
+              </a:tr>
+            </a:tbl>
+          </a:graphicData>
+        </a:graphic>
+      </p:graphicFrame>
+    </p:spTree>
+    <p:extLst>
+      <p:ext uri="{BB962C8B-B14F-4D97-AF65-F5344CB8AC3E}">
+        <p14:creationId xmlns:p14="http://schemas.microsoft.com/office/powerpoint/2010/main" val="650031998"/>
+      </p:ext>
+    </p:extLst>
+  </p:cSld>
+  <p:clrMapOvr>
+    <a:masterClrMapping/>
+  </p:clrMapOvr>
+</p:sld>
+</file>
+
+<file path=ppt/slides/slide8.xml><?xml version="1.0" encoding="utf-8"?>
+<p:sld xmlns:a="http://schemas.openxmlformats.org/drawingml/2006/main" xmlns:r="http://schemas.openxmlformats.org/officeDocument/2006/relationships" xmlns:p="http://schemas.openxmlformats.org/presentationml/2006/main">
+  <p:cSld>
+    <p:spTree>
+      <p:nvGrpSpPr>
+        <p:cNvPr id="1" name=""/>
+        <p:cNvGrpSpPr/>
+        <p:nvPr/>
+      </p:nvGrpSpPr>
+      <p:grpSpPr>
+        <a:xfrm>
+          <a:off x="0" y="0"/>
+          <a:ext cx="0" cy="0"/>
+          <a:chOff x="0" y="0"/>
+          <a:chExt cx="0" cy="0"/>
+        </a:xfrm>
+      </p:grpSpPr>
+      <p:sp>
+        <p:nvSpPr>
+          <p:cNvPr id="2" name="Titre 1">
+            <a:extLst>
+              <a:ext uri="{FF2B5EF4-FFF2-40B4-BE49-F238E27FC236}">
                 <a16:creationId xmlns:a16="http://schemas.microsoft.com/office/drawing/2014/main" id="{B7FB0588-A5CA-E030-93DC-A841BE84CF0A}"/>
               </a:ext>
             </a:extLst>
@@ -9759,408 +10161,6 @@
     <p:extLst>
       <p:ext uri="{BB962C8B-B14F-4D97-AF65-F5344CB8AC3E}">
         <p14:creationId xmlns:p14="http://schemas.microsoft.com/office/powerpoint/2010/main" val="1665510421"/>
-      </p:ext>
-    </p:extLst>
-  </p:cSld>
-  <p:clrMapOvr>
-    <a:masterClrMapping/>
-  </p:clrMapOvr>
-</p:sld>
-</file>
-
-<file path=ppt/slides/slide8.xml><?xml version="1.0" encoding="utf-8"?>
-<p:sld xmlns:a="http://schemas.openxmlformats.org/drawingml/2006/main" xmlns:r="http://schemas.openxmlformats.org/officeDocument/2006/relationships" xmlns:p="http://schemas.openxmlformats.org/presentationml/2006/main">
-  <p:cSld>
-    <p:spTree>
-      <p:nvGrpSpPr>
-        <p:cNvPr id="1" name=""/>
-        <p:cNvGrpSpPr/>
-        <p:nvPr/>
-      </p:nvGrpSpPr>
-      <p:grpSpPr>
-        <a:xfrm>
-          <a:off x="0" y="0"/>
-          <a:ext cx="0" cy="0"/>
-          <a:chOff x="0" y="0"/>
-          <a:chExt cx="0" cy="0"/>
-        </a:xfrm>
-      </p:grpSpPr>
-      <p:sp>
-        <p:nvSpPr>
-          <p:cNvPr id="2" name="Titre 1">
-            <a:extLst>
-              <a:ext uri="{FF2B5EF4-FFF2-40B4-BE49-F238E27FC236}">
-                <a16:creationId xmlns:a16="http://schemas.microsoft.com/office/drawing/2014/main" id="{CC6435C2-E281-9E60-9C01-E0A08C27236E}"/>
-              </a:ext>
-            </a:extLst>
-          </p:cNvPr>
-          <p:cNvSpPr>
-            <a:spLocks noGrp="1"/>
-          </p:cNvSpPr>
-          <p:nvPr>
-            <p:ph type="title"/>
-          </p:nvPr>
-        </p:nvSpPr>
-        <p:spPr/>
-        <p:txBody>
-          <a:bodyPr>
-            <a:normAutofit fontScale="90000"/>
-          </a:bodyPr>
-          <a:lstStyle/>
-          <a:p>
-            <a:r>
-              <a:rPr lang="fr-FR" dirty="0"/>
-              <a:t>Analyse de Sentiments sur les Issues de GitHub</a:t>
-            </a:r>
-          </a:p>
-        </p:txBody>
-      </p:sp>
-      <p:sp>
-        <p:nvSpPr>
-          <p:cNvPr id="3" name="Espace réservé du contenu 2">
-            <a:extLst>
-              <a:ext uri="{FF2B5EF4-FFF2-40B4-BE49-F238E27FC236}">
-                <a16:creationId xmlns:a16="http://schemas.microsoft.com/office/drawing/2014/main" id="{90A48F42-AE65-6241-DD32-1265A95B095B}"/>
-              </a:ext>
-            </a:extLst>
-          </p:cNvPr>
-          <p:cNvSpPr>
-            <a:spLocks noGrp="1"/>
-          </p:cNvSpPr>
-          <p:nvPr>
-            <p:ph idx="1"/>
-          </p:nvPr>
-        </p:nvSpPr>
-        <p:spPr/>
-        <p:txBody>
-          <a:bodyPr>
-            <a:normAutofit fontScale="62500" lnSpcReduction="20000"/>
-          </a:bodyPr>
-          <a:lstStyle/>
-          <a:p>
-            <a:endParaRPr lang="fr-FR" dirty="0"/>
-          </a:p>
-          <a:p>
-            <a:r>
-              <a:rPr lang="fr-FR" dirty="0"/>
-              <a:t>Description :</a:t>
-            </a:r>
-          </a:p>
-          <a:p>
-            <a:pPr lvl="1"/>
-            <a:r>
-              <a:rPr lang="fr-FR" dirty="0"/>
-              <a:t>Créer un outil qui analyse les sentiments des issues et des commentaires sur GitHub pour identifier automatiquement les problèmes critiques et les feedbacks positifs/négatifs.</a:t>
-            </a:r>
-          </a:p>
-          <a:p>
-            <a:endParaRPr lang="fr-FR" dirty="0"/>
-          </a:p>
-          <a:p>
-            <a:r>
-              <a:rPr lang="fr-FR" dirty="0"/>
-              <a:t>Technologies et Langages :</a:t>
-            </a:r>
-          </a:p>
-          <a:p>
-            <a:pPr lvl="1"/>
-            <a:r>
-              <a:rPr lang="fr-FR" dirty="0"/>
-              <a:t>Python : Pour le traitement des données et le développement des modèles de machine learning.</a:t>
-            </a:r>
-          </a:p>
-          <a:p>
-            <a:pPr lvl="1"/>
-            <a:r>
-              <a:rPr lang="fr-FR" dirty="0"/>
-              <a:t>GitHub API : Pour extraire les issues et les commentaires.</a:t>
-            </a:r>
-          </a:p>
-          <a:p>
-            <a:pPr lvl="1"/>
-            <a:r>
-              <a:rPr lang="fr-FR" dirty="0"/>
-              <a:t>NLTK/</a:t>
-            </a:r>
-            <a:r>
-              <a:rPr lang="fr-FR" dirty="0" err="1"/>
-              <a:t>Spacy</a:t>
-            </a:r>
-            <a:r>
-              <a:rPr lang="fr-FR" dirty="0"/>
-              <a:t>/</a:t>
-            </a:r>
-            <a:r>
-              <a:rPr lang="fr-FR" dirty="0" err="1"/>
-              <a:t>TextBlob</a:t>
-            </a:r>
-            <a:r>
-              <a:rPr lang="fr-FR" dirty="0"/>
-              <a:t> : Pour le traitement du langage naturel et l'analyse de sentiment.</a:t>
-            </a:r>
-          </a:p>
-          <a:p>
-            <a:pPr lvl="1"/>
-            <a:r>
-              <a:rPr lang="fr-FR" dirty="0"/>
-              <a:t>Flask/Django/</a:t>
-            </a:r>
-            <a:r>
-              <a:rPr lang="fr-FR" dirty="0" err="1"/>
-              <a:t>Streamlit</a:t>
-            </a:r>
-            <a:r>
-              <a:rPr lang="fr-FR" dirty="0"/>
-              <a:t> : Pour développer une application web permettant de visualiser les résultats d'analyse de sentiment.</a:t>
-            </a:r>
-          </a:p>
-          <a:p>
-            <a:endParaRPr lang="fr-FR" dirty="0"/>
-          </a:p>
-          <a:p>
-            <a:r>
-              <a:rPr lang="fr-FR" dirty="0"/>
-              <a:t>Étapes :</a:t>
-            </a:r>
-          </a:p>
-          <a:p>
-            <a:pPr lvl="1"/>
-            <a:r>
-              <a:rPr lang="fr-FR" dirty="0"/>
-              <a:t>Utiliser l'API GitHub pour collecter des données sur les issues et les commentaires de différents projets</a:t>
-            </a:r>
-          </a:p>
-          <a:p>
-            <a:pPr lvl="1"/>
-            <a:r>
-              <a:rPr lang="fr-FR" dirty="0"/>
-              <a:t>Prétraiter les données textuelles pour le NLP (nettoyage, </a:t>
-            </a:r>
-            <a:r>
-              <a:rPr lang="fr-FR" dirty="0" err="1"/>
-              <a:t>tokenization</a:t>
-            </a:r>
-            <a:r>
-              <a:rPr lang="fr-FR" dirty="0"/>
-              <a:t>, etc.).</a:t>
-            </a:r>
-          </a:p>
-          <a:p>
-            <a:pPr lvl="1"/>
-            <a:r>
-              <a:rPr lang="fr-FR" dirty="0"/>
-              <a:t>Construire un modèle d'analyse de sentiment en utilisant des bibliothèques de NLP.</a:t>
-            </a:r>
-          </a:p>
-          <a:p>
-            <a:pPr lvl="1"/>
-            <a:r>
-              <a:rPr lang="fr-FR" dirty="0"/>
-              <a:t>Créer une application web pour afficher les résultats de l'analyse de sentiment</a:t>
-            </a:r>
-          </a:p>
-          <a:p>
-            <a:endParaRPr lang="fr-FR" dirty="0"/>
-          </a:p>
-          <a:p>
-            <a:endParaRPr lang="fr-FR" dirty="0"/>
-          </a:p>
-        </p:txBody>
-      </p:sp>
-      <p:graphicFrame>
-        <p:nvGraphicFramePr>
-          <p:cNvPr id="4" name="Tableau 3">
-            <a:extLst>
-              <a:ext uri="{FF2B5EF4-FFF2-40B4-BE49-F238E27FC236}">
-                <a16:creationId xmlns:a16="http://schemas.microsoft.com/office/drawing/2014/main" id="{C3883C7F-A0D7-3F67-2375-F57C22D30208}"/>
-              </a:ext>
-            </a:extLst>
-          </p:cNvPr>
-          <p:cNvGraphicFramePr>
-            <a:graphicFrameLocks noGrp="1"/>
-          </p:cNvGraphicFramePr>
-          <p:nvPr>
-            <p:extLst>
-              <p:ext uri="{D42A27DB-BD31-4B8C-83A1-F6EECF244321}">
-                <p14:modId xmlns:p14="http://schemas.microsoft.com/office/powerpoint/2010/main" val="3764356625"/>
-              </p:ext>
-            </p:extLst>
-          </p:nvPr>
-        </p:nvGraphicFramePr>
-        <p:xfrm>
-          <a:off x="6701084" y="5715450"/>
-          <a:ext cx="5107093" cy="1006025"/>
-        </p:xfrm>
-        <a:graphic>
-          <a:graphicData uri="http://schemas.openxmlformats.org/drawingml/2006/table">
-            <a:tbl>
-              <a:tblPr firstRow="1" bandRow="1">
-                <a:tableStyleId>{5C22544A-7EE6-4342-B048-85BDC9FD1C3A}</a:tableStyleId>
-              </a:tblPr>
-              <a:tblGrid>
-                <a:gridCol w="1577524">
-                  <a:extLst>
-                    <a:ext uri="{9D8B030D-6E8A-4147-A177-3AD203B41FA5}">
-                      <a16:colId xmlns:a16="http://schemas.microsoft.com/office/drawing/2014/main" val="1867229628"/>
-                    </a:ext>
-                  </a:extLst>
-                </a:gridCol>
-                <a:gridCol w="3529569">
-                  <a:extLst>
-                    <a:ext uri="{9D8B030D-6E8A-4147-A177-3AD203B41FA5}">
-                      <a16:colId xmlns:a16="http://schemas.microsoft.com/office/drawing/2014/main" val="3914735680"/>
-                    </a:ext>
-                  </a:extLst>
-                </a:gridCol>
-              </a:tblGrid>
-              <a:tr h="270822">
-                <a:tc>
-                  <a:txBody>
-                    <a:bodyPr/>
-                    <a:lstStyle/>
-                    <a:p>
-                      <a:pPr algn="ctr"/>
-                      <a:r>
-                        <a:rPr lang="fr-FR" sz="1000" dirty="0">
-                          <a:latin typeface="Courier New" panose="02070309020205020404" pitchFamily="49" charset="0"/>
-                          <a:cs typeface="Courier New" panose="02070309020205020404" pitchFamily="49" charset="0"/>
-                        </a:rPr>
-                        <a:t>PROS</a:t>
-                      </a:r>
-                    </a:p>
-                  </a:txBody>
-                  <a:tcPr anchor="ctr"/>
-                </a:tc>
-                <a:tc>
-                  <a:txBody>
-                    <a:bodyPr/>
-                    <a:lstStyle/>
-                    <a:p>
-                      <a:pPr algn="ctr"/>
-                      <a:r>
-                        <a:rPr lang="fr-FR" sz="1000" dirty="0">
-                          <a:latin typeface="Courier New" panose="02070309020205020404" pitchFamily="49" charset="0"/>
-                          <a:cs typeface="Courier New" panose="02070309020205020404" pitchFamily="49" charset="0"/>
-                        </a:rPr>
-                        <a:t>CONS</a:t>
-                      </a:r>
-                    </a:p>
-                  </a:txBody>
-                  <a:tcPr anchor="ctr"/>
-                </a:tc>
-                <a:extLst>
-                  <a:ext uri="{0D108BD9-81ED-4DB2-BD59-A6C34878D82A}">
-                    <a16:rowId xmlns:a16="http://schemas.microsoft.com/office/drawing/2014/main" val="122667849"/>
-                  </a:ext>
-                </a:extLst>
-              </a:tr>
-              <a:tr h="247523">
-                <a:tc>
-                  <a:txBody>
-                    <a:bodyPr/>
-                    <a:lstStyle/>
-                    <a:p>
-                      <a:endParaRPr lang="fr-FR" sz="1000" dirty="0">
-                        <a:latin typeface="Courier New" panose="02070309020205020404" pitchFamily="49" charset="0"/>
-                        <a:cs typeface="Courier New" panose="02070309020205020404" pitchFamily="49" charset="0"/>
-                      </a:endParaRPr>
-                    </a:p>
-                  </a:txBody>
-                  <a:tcPr anchor="ctr"/>
-                </a:tc>
-                <a:tc>
-                  <a:txBody>
-                    <a:bodyPr/>
-                    <a:lstStyle/>
-                    <a:p>
-                      <a:endParaRPr lang="fr-FR" sz="1000" dirty="0">
-                        <a:latin typeface="Courier New" panose="02070309020205020404" pitchFamily="49" charset="0"/>
-                        <a:cs typeface="Courier New" panose="02070309020205020404" pitchFamily="49" charset="0"/>
-                      </a:endParaRPr>
-                    </a:p>
-                  </a:txBody>
-                  <a:tcPr anchor="ctr"/>
-                </a:tc>
-                <a:extLst>
-                  <a:ext uri="{0D108BD9-81ED-4DB2-BD59-A6C34878D82A}">
-                    <a16:rowId xmlns:a16="http://schemas.microsoft.com/office/drawing/2014/main" val="3200188309"/>
-                  </a:ext>
-                </a:extLst>
-              </a:tr>
-              <a:tr h="223463">
-                <a:tc>
-                  <a:txBody>
-                    <a:bodyPr/>
-                    <a:lstStyle/>
-                    <a:p>
-                      <a:endParaRPr lang="fr-FR" sz="1000" dirty="0">
-                        <a:latin typeface="Courier New" panose="02070309020205020404" pitchFamily="49" charset="0"/>
-                        <a:cs typeface="Courier New" panose="02070309020205020404" pitchFamily="49" charset="0"/>
-                      </a:endParaRPr>
-                    </a:p>
-                  </a:txBody>
-                  <a:tcPr anchor="ctr"/>
-                </a:tc>
-                <a:tc>
-                  <a:txBody>
-                    <a:bodyPr/>
-                    <a:lstStyle/>
-                    <a:p>
-                      <a:endParaRPr lang="fr-FR" sz="1000" dirty="0">
-                        <a:latin typeface="Courier New" panose="02070309020205020404" pitchFamily="49" charset="0"/>
-                        <a:cs typeface="Courier New" panose="02070309020205020404" pitchFamily="49" charset="0"/>
-                      </a:endParaRPr>
-                    </a:p>
-                  </a:txBody>
-                  <a:tcPr anchor="ctr"/>
-                </a:tc>
-                <a:extLst>
-                  <a:ext uri="{0D108BD9-81ED-4DB2-BD59-A6C34878D82A}">
-                    <a16:rowId xmlns:a16="http://schemas.microsoft.com/office/drawing/2014/main" val="3319787936"/>
-                  </a:ext>
-                </a:extLst>
-              </a:tr>
-              <a:tr h="200404">
-                <a:tc>
-                  <a:txBody>
-                    <a:bodyPr/>
-                    <a:lstStyle/>
-                    <a:p>
-                      <a:endParaRPr lang="fr-FR" sz="1000" dirty="0">
-                        <a:latin typeface="Courier New" panose="02070309020205020404" pitchFamily="49" charset="0"/>
-                        <a:cs typeface="Courier New" panose="02070309020205020404" pitchFamily="49" charset="0"/>
-                      </a:endParaRPr>
-                    </a:p>
-                  </a:txBody>
-                  <a:tcPr anchor="ctr"/>
-                </a:tc>
-                <a:tc>
-                  <a:txBody>
-                    <a:bodyPr/>
-                    <a:lstStyle/>
-                    <a:p>
-                      <a:endParaRPr lang="fr-FR" sz="1000" dirty="0">
-                        <a:latin typeface="Courier New" panose="02070309020205020404" pitchFamily="49" charset="0"/>
-                        <a:cs typeface="Courier New" panose="02070309020205020404" pitchFamily="49" charset="0"/>
-                      </a:endParaRPr>
-                    </a:p>
-                  </a:txBody>
-                  <a:tcPr anchor="ctr"/>
-                </a:tc>
-                <a:extLst>
-                  <a:ext uri="{0D108BD9-81ED-4DB2-BD59-A6C34878D82A}">
-                    <a16:rowId xmlns:a16="http://schemas.microsoft.com/office/drawing/2014/main" val="1588708313"/>
-                  </a:ext>
-                </a:extLst>
-              </a:tr>
-            </a:tbl>
-          </a:graphicData>
-        </a:graphic>
-      </p:graphicFrame>
-    </p:spTree>
-    <p:extLst>
-      <p:ext uri="{BB962C8B-B14F-4D97-AF65-F5344CB8AC3E}">
-        <p14:creationId xmlns:p14="http://schemas.microsoft.com/office/powerpoint/2010/main" val="650031998"/>
       </p:ext>
     </p:extLst>
   </p:cSld>
